--- a/doc/Notes_2018-08-27.pptx
+++ b/doc/Notes_2018-08-27.pptx
@@ -9637,7 +9637,7 @@
         </p:nvSpPr>
         <p:spPr>
           <a:xfrm>
-            <a:off x="2971799" y="2016626"/>
+            <a:off x="2758043" y="2301633"/>
             <a:ext cx="4135106" cy="461665"/>
           </a:xfrm>
           <a:prstGeom prst="rect">
@@ -9666,8 +9666,8 @@
         </p:nvSpPr>
         <p:spPr>
           <a:xfrm>
-            <a:off x="2971799" y="3127663"/>
-            <a:ext cx="4459875" cy="400110"/>
+            <a:off x="2758043" y="3412670"/>
+            <a:ext cx="4046301" cy="400110"/>
           </a:xfrm>
           <a:prstGeom prst="rect">
             <a:avLst/>
@@ -9682,7 +9682,7 @@
           <a:p>
             <a:r>
               <a:rPr lang="en-US" sz="2000" b="1" dirty="0"/>
-              <a:t>Robustness to Measurement Noise</a:t>
+              <a:t>Robustness to Navigation Error</a:t>
             </a:r>
           </a:p>
         </p:txBody>
@@ -9695,7 +9695,7 @@
         </p:nvSpPr>
         <p:spPr>
           <a:xfrm>
-            <a:off x="3054927" y="4218709"/>
+            <a:off x="2841171" y="4503716"/>
             <a:ext cx="1414170" cy="584775"/>
           </a:xfrm>
           <a:prstGeom prst="rect">
@@ -9754,7 +9754,7 @@
       </p:grpSpPr>
       <p:pic>
         <p:nvPicPr>
-          <p:cNvPr id="7" name="Picture 6"/>
+          <p:cNvPr id="3" name="Picture 2"/>
           <p:cNvPicPr>
             <a:picLocks noChangeAspect="1"/>
           </p:cNvPicPr>
@@ -9768,8 +9768,8 @@
         </p:blipFill>
         <p:spPr>
           <a:xfrm>
-            <a:off x="830262" y="788987"/>
-            <a:ext cx="8420100" cy="5981700"/>
+            <a:off x="782291" y="1042871"/>
+            <a:ext cx="8789670" cy="5234940"/>
           </a:xfrm>
           <a:prstGeom prst="rect">
             <a:avLst/>
@@ -9784,8 +9784,8 @@
         </p:nvSpPr>
         <p:spPr>
           <a:xfrm>
-            <a:off x="1103890" y="3660341"/>
-            <a:ext cx="8146472" cy="238991"/>
+            <a:off x="787631" y="3553545"/>
+            <a:ext cx="8784329" cy="205655"/>
           </a:xfrm>
           <a:prstGeom prst="roundRect">
             <a:avLst/>
@@ -9903,6 +9903,216 @@
           <a:chExt cx="0" cy="0"/>
         </a:xfrm>
       </p:grpSpPr>
+      <p:pic>
+        <p:nvPicPr>
+          <p:cNvPr id="4" name="Picture 3"/>
+          <p:cNvPicPr>
+            <a:picLocks noChangeAspect="1"/>
+          </p:cNvPicPr>
+          <p:nvPr/>
+        </p:nvPicPr>
+        <p:blipFill>
+          <a:blip r:embed="rId2">
+            <a:extLst>
+              <a:ext uri="{28A0092B-C50C-407E-A947-70E740481C1C}">
+                <a14:useLocalDpi xmlns:a14="http://schemas.microsoft.com/office/drawing/2010/main" val="0"/>
+              </a:ext>
+            </a:extLst>
+          </a:blip>
+          <a:stretch>
+            <a:fillRect/>
+          </a:stretch>
+        </p:blipFill>
+        <p:spPr>
+          <a:xfrm>
+            <a:off x="474245" y="0"/>
+            <a:ext cx="4572009" cy="6400813"/>
+          </a:xfrm>
+          <a:prstGeom prst="rect">
+            <a:avLst/>
+          </a:prstGeom>
+        </p:spPr>
+      </p:pic>
+      <p:pic>
+        <p:nvPicPr>
+          <p:cNvPr id="7" name="Picture 6"/>
+          <p:cNvPicPr>
+            <a:picLocks noChangeAspect="1"/>
+          </p:cNvPicPr>
+          <p:nvPr/>
+        </p:nvPicPr>
+        <p:blipFill>
+          <a:blip r:embed="rId3">
+            <a:extLst>
+              <a:ext uri="{28A0092B-C50C-407E-A947-70E740481C1C}">
+                <a14:useLocalDpi xmlns:a14="http://schemas.microsoft.com/office/drawing/2010/main" val="0"/>
+              </a:ext>
+            </a:extLst>
+          </a:blip>
+          <a:stretch>
+            <a:fillRect/>
+          </a:stretch>
+        </p:blipFill>
+        <p:spPr>
+          <a:xfrm>
+            <a:off x="4831959" y="0"/>
+            <a:ext cx="5248666" cy="6400813"/>
+          </a:xfrm>
+          <a:prstGeom prst="rect">
+            <a:avLst/>
+          </a:prstGeom>
+        </p:spPr>
+      </p:pic>
+      <p:sp>
+        <p:nvSpPr>
+          <p:cNvPr id="8" name="TextBox 7"/>
+          <p:cNvSpPr txBox="1"/>
+          <p:nvPr/>
+        </p:nvSpPr>
+        <p:spPr>
+          <a:xfrm>
+            <a:off x="1233744" y="6258297"/>
+            <a:ext cx="8170224" cy="646331"/>
+          </a:xfrm>
+          <a:prstGeom prst="rect">
+            <a:avLst/>
+          </a:prstGeom>
+          <a:noFill/>
+        </p:spPr>
+        <p:txBody>
+          <a:bodyPr wrap="square" rtlCol="0">
+            <a:spAutoFit/>
+          </a:bodyPr>
+          <a:lstStyle/>
+          <a:p>
+            <a:r>
+              <a:rPr lang="en-US" dirty="0"/>
+              <a:t>The noisy measurement places the position (E,N) inside the safe region causing infeasibility</a:t>
+            </a:r>
+          </a:p>
+        </p:txBody>
+      </p:sp>
+      <p:cxnSp>
+        <p:nvCxnSpPr>
+          <p:cNvPr id="10" name="Straight Arrow Connector 9"/>
+          <p:cNvCxnSpPr/>
+          <p:nvPr/>
+        </p:nvCxnSpPr>
+        <p:spPr>
+          <a:xfrm flipV="1">
+            <a:off x="6845100" y="3479468"/>
+            <a:ext cx="760021" cy="475014"/>
+          </a:xfrm>
+          <a:prstGeom prst="straightConnector1">
+            <a:avLst/>
+          </a:prstGeom>
+          <a:ln w="12700" cmpd="sng">
+            <a:solidFill>
+              <a:schemeClr val="bg1">
+                <a:lumMod val="50000"/>
+              </a:schemeClr>
+            </a:solidFill>
+            <a:tailEnd type="triangle"/>
+          </a:ln>
+          <a:effectLst/>
+        </p:spPr>
+        <p:style>
+          <a:lnRef idx="2">
+            <a:schemeClr val="accent1"/>
+          </a:lnRef>
+          <a:fillRef idx="0">
+            <a:schemeClr val="accent1"/>
+          </a:fillRef>
+          <a:effectRef idx="1">
+            <a:schemeClr val="accent1"/>
+          </a:effectRef>
+          <a:fontRef idx="minor">
+            <a:schemeClr val="tx1"/>
+          </a:fontRef>
+        </p:style>
+      </p:cxnSp>
+      <p:sp>
+        <p:nvSpPr>
+          <p:cNvPr id="12" name="Oval 11"/>
+          <p:cNvSpPr/>
+          <p:nvPr/>
+        </p:nvSpPr>
+        <p:spPr>
+          <a:xfrm>
+            <a:off x="6590806" y="3918857"/>
+            <a:ext cx="237507" cy="249382"/>
+          </a:xfrm>
+          <a:prstGeom prst="ellipse">
+            <a:avLst/>
+          </a:prstGeom>
+          <a:noFill/>
+          <a:ln w="12700">
+            <a:solidFill>
+              <a:srgbClr val="FF0000"/>
+            </a:solidFill>
+          </a:ln>
+        </p:spPr>
+        <p:style>
+          <a:lnRef idx="2">
+            <a:schemeClr val="accent3"/>
+          </a:lnRef>
+          <a:fillRef idx="1">
+            <a:schemeClr val="lt1"/>
+          </a:fillRef>
+          <a:effectRef idx="0">
+            <a:schemeClr val="accent3"/>
+          </a:effectRef>
+          <a:fontRef idx="minor">
+            <a:schemeClr val="dk1"/>
+          </a:fontRef>
+        </p:style>
+        <p:txBody>
+          <a:bodyPr rot="0" spcFirstLastPara="0" vertOverflow="overflow" horzOverflow="overflow" vert="horz" wrap="square" lIns="91440" tIns="45720" rIns="91440" bIns="45720" numCol="1" spcCol="0" rtlCol="0" fromWordArt="0" anchor="ctr" anchorCtr="0" forceAA="0" compatLnSpc="1">
+            <a:prstTxWarp prst="textNoShape">
+              <a:avLst/>
+            </a:prstTxWarp>
+            <a:spAutoFit/>
+          </a:bodyPr>
+          <a:lstStyle/>
+          <a:p>
+            <a:pPr algn="ctr"/>
+            <a:endParaRPr lang="en-US" dirty="0">
+              <a:solidFill>
+                <a:schemeClr val="accent3"/>
+              </a:solidFill>
+            </a:endParaRPr>
+          </a:p>
+        </p:txBody>
+      </p:sp>
+      <p:sp>
+        <p:nvSpPr>
+          <p:cNvPr id="13" name="TextBox 12"/>
+          <p:cNvSpPr txBox="1"/>
+          <p:nvPr/>
+        </p:nvSpPr>
+        <p:spPr>
+          <a:xfrm>
+            <a:off x="6973205" y="3845073"/>
+            <a:ext cx="1425806" cy="646331"/>
+          </a:xfrm>
+          <a:prstGeom prst="rect">
+            <a:avLst/>
+          </a:prstGeom>
+          <a:noFill/>
+        </p:spPr>
+        <p:txBody>
+          <a:bodyPr wrap="square" rtlCol="0">
+            <a:spAutoFit/>
+          </a:bodyPr>
+          <a:lstStyle/>
+          <a:p>
+            <a:r>
+              <a:rPr lang="en-US" dirty="0"/>
+              <a:t>shifted due to noise</a:t>
+            </a:r>
+          </a:p>
+        </p:txBody>
+      </p:sp>
     </p:spTree>
   </p:cSld>
   <p:clrMapOvr>
@@ -9972,7 +10182,7 @@
           <a:p>
             <a:r>
               <a:rPr lang="en-US" sz="2400" dirty="0"/>
-              <a:t>Robustness to Measurement Noise</a:t>
+              <a:t>Robustness to Navigation Error</a:t>
             </a:r>
           </a:p>
         </p:txBody>
@@ -10008,7 +10218,7 @@
           <a:p>
             <a:r>
               <a:rPr lang="en-US" sz="2000" dirty="0"/>
-              <a:t>MPC Problem with Measurement Noise</a:t>
+              <a:t>MPC Problem with Navigation Error</a:t>
             </a:r>
           </a:p>
           <a:p>
@@ -10017,7 +10227,7 @@
           <a:p>
             <a:r>
               <a:rPr lang="en-US" sz="2000" dirty="0"/>
-              <a:t>Experiments</a:t>
+              <a:t>Analysis</a:t>
             </a:r>
           </a:p>
           <a:p>
@@ -10138,7 +10348,7 @@
           <a:graphicData uri="http://schemas.openxmlformats.org/presentationml/2006/ole">
             <mc:AlternateContent xmlns:mc="http://schemas.openxmlformats.org/markup-compatibility/2006">
               <mc:Choice xmlns:v="urn:schemas-microsoft-com:vml" Requires="v">
-                <p:oleObj spid="_x0000_s1169" name="Equation" r:id="rId3" imgW="2666880" imgH="711000" progId="Equation.3">
+                <p:oleObj spid="_x0000_s1257" name="Equation" r:id="rId3" imgW="2666880" imgH="711000" progId="Equation.3">
                   <p:embed/>
                 </p:oleObj>
               </mc:Choice>
@@ -10182,25 +10392,25 @@
           <p:nvPr>
             <p:extLst>
               <p:ext uri="{D42A27DB-BD31-4B8C-83A1-F6EECF244321}">
-                <p14:modId xmlns:p14="http://schemas.microsoft.com/office/powerpoint/2010/main" val="1709887029"/>
+                <p14:modId xmlns:p14="http://schemas.microsoft.com/office/powerpoint/2010/main" val="2404750253"/>
               </p:ext>
             </p:extLst>
           </p:nvPr>
         </p:nvGraphicFramePr>
         <p:xfrm>
-          <a:off x="5384272" y="1581917"/>
-          <a:ext cx="1586911" cy="1695855"/>
+          <a:off x="5156200" y="1581150"/>
+          <a:ext cx="2044700" cy="1697038"/>
         </p:xfrm>
         <a:graphic>
           <a:graphicData uri="http://schemas.openxmlformats.org/presentationml/2006/ole">
             <mc:AlternateContent xmlns:mc="http://schemas.openxmlformats.org/markup-compatibility/2006">
               <mc:Choice xmlns:v="urn:schemas-microsoft-com:vml" Requires="v">
-                <p:oleObj spid="_x0000_s1170" name="Equation" r:id="rId5" imgW="1143000" imgH="1218960" progId="Equation.3">
+                <p:oleObj spid="_x0000_s1258" name="Equation" r:id="rId5" imgW="1473120" imgH="1218960" progId="Equation.3">
                   <p:embed/>
                 </p:oleObj>
               </mc:Choice>
               <mc:Fallback>
-                <p:oleObj name="Equation" r:id="rId5" imgW="1143000" imgH="1218960" progId="Equation.3">
+                <p:oleObj name="Equation" r:id="rId5" imgW="1473120" imgH="1218960" progId="Equation.3">
                   <p:embed/>
                   <p:pic>
                     <p:nvPicPr>
@@ -10216,8 +10426,8 @@
                     </p:blipFill>
                     <p:spPr>
                       <a:xfrm>
-                        <a:off x="5384272" y="1581917"/>
-                        <a:ext cx="1586911" cy="1695855"/>
+                        <a:off x="5156200" y="1581150"/>
+                        <a:ext cx="2044700" cy="1697038"/>
                       </a:xfrm>
                       <a:prstGeom prst="rect">
                         <a:avLst/>
@@ -10271,7 +10481,7 @@
           <p:nvPr>
             <p:extLst>
               <p:ext uri="{D42A27DB-BD31-4B8C-83A1-F6EECF244321}">
-                <p14:modId xmlns:p14="http://schemas.microsoft.com/office/powerpoint/2010/main" val="2236342307"/>
+                <p14:modId xmlns:p14="http://schemas.microsoft.com/office/powerpoint/2010/main" val="1935910889"/>
               </p:ext>
             </p:extLst>
           </p:nvPr>
@@ -10284,7 +10494,7 @@
           <a:graphicData uri="http://schemas.openxmlformats.org/presentationml/2006/ole">
             <mc:AlternateContent xmlns:mc="http://schemas.openxmlformats.org/markup-compatibility/2006">
               <mc:Choice xmlns:v="urn:schemas-microsoft-com:vml" Requires="v">
-                <p:oleObj spid="_x0000_s1171" name="Equation" r:id="rId7" imgW="1333440" imgH="939600" progId="Equation.3">
+                <p:oleObj spid="_x0000_s1259" name="Equation" r:id="rId7" imgW="1333440" imgH="939600" progId="Equation.3">
                   <p:embed/>
                 </p:oleObj>
               </mc:Choice>
@@ -10411,7 +10621,7 @@
           <a:graphicData uri="http://schemas.openxmlformats.org/presentationml/2006/ole">
             <mc:AlternateContent xmlns:mc="http://schemas.openxmlformats.org/markup-compatibility/2006">
               <mc:Choice xmlns:v="urn:schemas-microsoft-com:vml" Requires="v">
-                <p:oleObj spid="_x0000_s1172" name="Equation" r:id="rId9" imgW="1993680" imgH="228600" progId="Equation.3">
+                <p:oleObj spid="_x0000_s1260" name="Equation" r:id="rId9" imgW="1993680" imgH="228600" progId="Equation.3">
                   <p:embed/>
                 </p:oleObj>
               </mc:Choice>
@@ -10468,7 +10678,7 @@
           <a:graphicData uri="http://schemas.openxmlformats.org/presentationml/2006/ole">
             <mc:AlternateContent xmlns:mc="http://schemas.openxmlformats.org/markup-compatibility/2006">
               <mc:Choice xmlns:v="urn:schemas-microsoft-com:vml" Requires="v">
-                <p:oleObj spid="_x0000_s1173" name="Equation" r:id="rId11" imgW="939600" imgH="241200" progId="Equation.3">
+                <p:oleObj spid="_x0000_s1261" name="Equation" r:id="rId11" imgW="939600" imgH="241200" progId="Equation.3">
                   <p:embed/>
                 </p:oleObj>
               </mc:Choice>
@@ -10525,7 +10735,7 @@
           <a:graphicData uri="http://schemas.openxmlformats.org/presentationml/2006/ole">
             <mc:AlternateContent xmlns:mc="http://schemas.openxmlformats.org/markup-compatibility/2006">
               <mc:Choice xmlns:v="urn:schemas-microsoft-com:vml" Requires="v">
-                <p:oleObj spid="_x0000_s1174" name="Equation" r:id="rId13" imgW="1002960" imgH="228600" progId="Equation.3">
+                <p:oleObj spid="_x0000_s1262" name="Equation" r:id="rId13" imgW="1002960" imgH="228600" progId="Equation.3">
                   <p:embed/>
                 </p:oleObj>
               </mc:Choice>
@@ -10582,7 +10792,7 @@
           <a:graphicData uri="http://schemas.openxmlformats.org/presentationml/2006/ole">
             <mc:AlternateContent xmlns:mc="http://schemas.openxmlformats.org/markup-compatibility/2006">
               <mc:Choice xmlns:v="urn:schemas-microsoft-com:vml" Requires="v">
-                <p:oleObj spid="_x0000_s1175" name="Equation" r:id="rId15" imgW="1358640" imgH="228600" progId="Equation.3">
+                <p:oleObj spid="_x0000_s1263" name="Equation" r:id="rId15" imgW="1358640" imgH="228600" progId="Equation.3">
                   <p:embed/>
                 </p:oleObj>
               </mc:Choice>
@@ -10639,7 +10849,7 @@
           <a:graphicData uri="http://schemas.openxmlformats.org/presentationml/2006/ole">
             <mc:AlternateContent xmlns:mc="http://schemas.openxmlformats.org/markup-compatibility/2006">
               <mc:Choice xmlns:v="urn:schemas-microsoft-com:vml" Requires="v">
-                <p:oleObj spid="_x0000_s1176" name="Equation" r:id="rId17" imgW="2450880" imgH="304560" progId="Equation.3">
+                <p:oleObj spid="_x0000_s1264" name="Equation" r:id="rId17" imgW="2450880" imgH="304560" progId="Equation.3">
                   <p:embed/>
                 </p:oleObj>
               </mc:Choice>
@@ -10696,7 +10906,7 @@
           <a:graphicData uri="http://schemas.openxmlformats.org/presentationml/2006/ole">
             <mc:AlternateContent xmlns:mc="http://schemas.openxmlformats.org/markup-compatibility/2006">
               <mc:Choice xmlns:v="urn:schemas-microsoft-com:vml" Requires="v">
-                <p:oleObj spid="_x0000_s1177" name="Equation" r:id="rId19" imgW="444240" imgH="241200" progId="Equation.3">
+                <p:oleObj spid="_x0000_s1265" name="Equation" r:id="rId19" imgW="444240" imgH="241200" progId="Equation.3">
                   <p:embed/>
                 </p:oleObj>
               </mc:Choice>
@@ -10753,7 +10963,7 @@
           <a:graphicData uri="http://schemas.openxmlformats.org/presentationml/2006/ole">
             <mc:AlternateContent xmlns:mc="http://schemas.openxmlformats.org/markup-compatibility/2006">
               <mc:Choice xmlns:v="urn:schemas-microsoft-com:vml" Requires="v">
-                <p:oleObj spid="_x0000_s1178" name="Equation" r:id="rId21" imgW="685800" imgH="431640" progId="Equation.3">
+                <p:oleObj spid="_x0000_s1266" name="Equation" r:id="rId21" imgW="685800" imgH="431640" progId="Equation.3">
                   <p:embed/>
                 </p:oleObj>
               </mc:Choice>
@@ -10810,7 +11020,7 @@
           <a:graphicData uri="http://schemas.openxmlformats.org/presentationml/2006/ole">
             <mc:AlternateContent xmlns:mc="http://schemas.openxmlformats.org/markup-compatibility/2006">
               <mc:Choice xmlns:v="urn:schemas-microsoft-com:vml" Requires="v">
-                <p:oleObj spid="_x0000_s1179" name="Equation" r:id="rId23" imgW="1981080" imgH="228600" progId="Equation.3">
+                <p:oleObj spid="_x0000_s1267" name="Equation" r:id="rId23" imgW="1981080" imgH="228600" progId="Equation.3">
                   <p:embed/>
                 </p:oleObj>
               </mc:Choice>
@@ -11650,8 +11860,8 @@
             </a:p>
           </p:txBody>
         </p:sp>
-        <mc:AlternateContent xmlns:mc="http://schemas.openxmlformats.org/markup-compatibility/2006">
-          <mc:Choice xmlns:a14="http://schemas.microsoft.com/office/drawing/2010/main" Requires="a14">
+        <mc:AlternateContent xmlns:mc="http://schemas.openxmlformats.org/markup-compatibility/2006" xmlns:a14="http://schemas.microsoft.com/office/drawing/2010/main">
+          <mc:Choice Requires="a14">
             <p:sp>
               <p:nvSpPr>
                 <p:cNvPr id="41" name="TextBox 40"/>
@@ -11795,7 +12005,7 @@
               </p:txBody>
             </p:sp>
           </mc:Choice>
-          <mc:Fallback>
+          <mc:Fallback xmlns="">
             <p:sp>
               <p:nvSpPr>
                 <p:cNvPr id="41" name="TextBox 40"/>
@@ -12048,7 +12258,7 @@
           <a:p>
             <a:r>
               <a:rPr lang="en-US" sz="2400" dirty="0"/>
-              <a:t>MPC Problem – with Measurement Noise</a:t>
+              <a:t>MPC Problem with Navigation Error</a:t>
             </a:r>
           </a:p>
         </p:txBody>
@@ -12110,7 +12320,7 @@
           <a:graphicData uri="http://schemas.openxmlformats.org/presentationml/2006/ole">
             <mc:AlternateContent xmlns:mc="http://schemas.openxmlformats.org/markup-compatibility/2006">
               <mc:Choice xmlns:v="urn:schemas-microsoft-com:vml" Requires="v">
-                <p:oleObj spid="_x0000_s3182" name="Equation" r:id="rId3" imgW="2666880" imgH="711000" progId="Equation.3">
+                <p:oleObj spid="_x0000_s3290" name="Equation" r:id="rId3" imgW="2666880" imgH="711000" progId="Equation.3">
                   <p:embed/>
                 </p:oleObj>
               </mc:Choice>
@@ -12145,59 +12355,6 @@
           </a:graphicData>
         </a:graphic>
       </p:graphicFrame>
-      <p:graphicFrame>
-        <p:nvGraphicFramePr>
-          <p:cNvPr id="33" name="Object 32"/>
-          <p:cNvGraphicFramePr>
-            <a:graphicFrameLocks noChangeAspect="1"/>
-          </p:cNvGraphicFramePr>
-          <p:nvPr>
-            <p:extLst/>
-          </p:nvPr>
-        </p:nvGraphicFramePr>
-        <p:xfrm>
-          <a:off x="5384272" y="1581917"/>
-          <a:ext cx="1586911" cy="1695855"/>
-        </p:xfrm>
-        <a:graphic>
-          <a:graphicData uri="http://schemas.openxmlformats.org/presentationml/2006/ole">
-            <mc:AlternateContent xmlns:mc="http://schemas.openxmlformats.org/markup-compatibility/2006">
-              <mc:Choice xmlns:v="urn:schemas-microsoft-com:vml" Requires="v">
-                <p:oleObj spid="_x0000_s3183" name="Equation" r:id="rId5" imgW="1143000" imgH="1218960" progId="Equation.3">
-                  <p:embed/>
-                </p:oleObj>
-              </mc:Choice>
-              <mc:Fallback>
-                <p:oleObj name="Equation" r:id="rId5" imgW="1143000" imgH="1218960" progId="Equation.3">
-                  <p:embed/>
-                  <p:pic>
-                    <p:nvPicPr>
-                      <p:cNvPr id="33" name="Object 32"/>
-                      <p:cNvPicPr/>
-                      <p:nvPr/>
-                    </p:nvPicPr>
-                    <p:blipFill>
-                      <a:blip r:embed="rId6"/>
-                      <a:stretch>
-                        <a:fillRect/>
-                      </a:stretch>
-                    </p:blipFill>
-                    <p:spPr>
-                      <a:xfrm>
-                        <a:off x="5384272" y="1581917"/>
-                        <a:ext cx="1586911" cy="1695855"/>
-                      </a:xfrm>
-                      <a:prstGeom prst="rect">
-                        <a:avLst/>
-                      </a:prstGeom>
-                    </p:spPr>
-                  </p:pic>
-                </p:oleObj>
-              </mc:Fallback>
-            </mc:AlternateContent>
-          </a:graphicData>
-        </a:graphic>
-      </p:graphicFrame>
       <p:sp>
         <p:nvSpPr>
           <p:cNvPr id="13" name="TextBox 12"/>
@@ -12230,59 +12387,6 @@
           </a:p>
         </p:txBody>
       </p:sp>
-      <p:graphicFrame>
-        <p:nvGraphicFramePr>
-          <p:cNvPr id="36" name="Object 35"/>
-          <p:cNvGraphicFramePr>
-            <a:graphicFrameLocks noChangeAspect="1"/>
-          </p:cNvGraphicFramePr>
-          <p:nvPr>
-            <p:extLst/>
-          </p:nvPr>
-        </p:nvGraphicFramePr>
-        <p:xfrm>
-          <a:off x="674457" y="3730074"/>
-          <a:ext cx="1607912" cy="1138008"/>
-        </p:xfrm>
-        <a:graphic>
-          <a:graphicData uri="http://schemas.openxmlformats.org/presentationml/2006/ole">
-            <mc:AlternateContent xmlns:mc="http://schemas.openxmlformats.org/markup-compatibility/2006">
-              <mc:Choice xmlns:v="urn:schemas-microsoft-com:vml" Requires="v">
-                <p:oleObj spid="_x0000_s3184" name="Equation" r:id="rId7" imgW="1333440" imgH="939600" progId="Equation.3">
-                  <p:embed/>
-                </p:oleObj>
-              </mc:Choice>
-              <mc:Fallback>
-                <p:oleObj name="Equation" r:id="rId7" imgW="1333440" imgH="939600" progId="Equation.3">
-                  <p:embed/>
-                  <p:pic>
-                    <p:nvPicPr>
-                      <p:cNvPr id="36" name="Object 35"/>
-                      <p:cNvPicPr/>
-                      <p:nvPr/>
-                    </p:nvPicPr>
-                    <p:blipFill>
-                      <a:blip r:embed="rId8"/>
-                      <a:stretch>
-                        <a:fillRect/>
-                      </a:stretch>
-                    </p:blipFill>
-                    <p:spPr>
-                      <a:xfrm>
-                        <a:off x="674457" y="3730074"/>
-                        <a:ext cx="1607912" cy="1138008"/>
-                      </a:xfrm>
-                      <a:prstGeom prst="rect">
-                        <a:avLst/>
-                      </a:prstGeom>
-                    </p:spPr>
-                  </p:pic>
-                </p:oleObj>
-              </mc:Fallback>
-            </mc:AlternateContent>
-          </a:graphicData>
-        </a:graphic>
-      </p:graphicFrame>
       <p:sp>
         <p:nvSpPr>
           <p:cNvPr id="37" name="TextBox 36"/>
@@ -12371,12 +12475,12 @@
           <a:graphicData uri="http://schemas.openxmlformats.org/presentationml/2006/ole">
             <mc:AlternateContent xmlns:mc="http://schemas.openxmlformats.org/markup-compatibility/2006">
               <mc:Choice xmlns:v="urn:schemas-microsoft-com:vml" Requires="v">
-                <p:oleObj spid="_x0000_s3185" name="Equation" r:id="rId9" imgW="1993680" imgH="228600" progId="Equation.3">
+                <p:oleObj spid="_x0000_s3291" name="Equation" r:id="rId5" imgW="1993680" imgH="228600" progId="Equation.3">
                   <p:embed/>
                 </p:oleObj>
               </mc:Choice>
               <mc:Fallback>
-                <p:oleObj name="Equation" r:id="rId9" imgW="1993680" imgH="228600" progId="Equation.3">
+                <p:oleObj name="Equation" r:id="rId5" imgW="1993680" imgH="228600" progId="Equation.3">
                   <p:embed/>
                   <p:pic>
                     <p:nvPicPr>
@@ -12385,7 +12489,7 @@
                       <p:nvPr/>
                     </p:nvPicPr>
                     <p:blipFill>
-                      <a:blip r:embed="rId10"/>
+                      <a:blip r:embed="rId6"/>
                       <a:stretch>
                         <a:fillRect/>
                       </a:stretch>
@@ -12424,12 +12528,12 @@
           <a:graphicData uri="http://schemas.openxmlformats.org/presentationml/2006/ole">
             <mc:AlternateContent xmlns:mc="http://schemas.openxmlformats.org/markup-compatibility/2006">
               <mc:Choice xmlns:v="urn:schemas-microsoft-com:vml" Requires="v">
-                <p:oleObj spid="_x0000_s3186" name="Equation" r:id="rId11" imgW="939600" imgH="241200" progId="Equation.3">
+                <p:oleObj spid="_x0000_s3292" name="Equation" r:id="rId7" imgW="939600" imgH="241200" progId="Equation.3">
                   <p:embed/>
                 </p:oleObj>
               </mc:Choice>
               <mc:Fallback>
-                <p:oleObj name="Equation" r:id="rId11" imgW="939600" imgH="241200" progId="Equation.3">
+                <p:oleObj name="Equation" r:id="rId7" imgW="939600" imgH="241200" progId="Equation.3">
                   <p:embed/>
                   <p:pic>
                     <p:nvPicPr>
@@ -12438,7 +12542,7 @@
                       <p:nvPr/>
                     </p:nvPicPr>
                     <p:blipFill>
-                      <a:blip r:embed="rId12"/>
+                      <a:blip r:embed="rId8"/>
                       <a:stretch>
                         <a:fillRect/>
                       </a:stretch>
@@ -12477,12 +12581,12 @@
           <a:graphicData uri="http://schemas.openxmlformats.org/presentationml/2006/ole">
             <mc:AlternateContent xmlns:mc="http://schemas.openxmlformats.org/markup-compatibility/2006">
               <mc:Choice xmlns:v="urn:schemas-microsoft-com:vml" Requires="v">
-                <p:oleObj spid="_x0000_s3187" name="Equation" r:id="rId13" imgW="1002960" imgH="228600" progId="Equation.3">
+                <p:oleObj spid="_x0000_s3293" name="Equation" r:id="rId9" imgW="1002960" imgH="228600" progId="Equation.3">
                   <p:embed/>
                 </p:oleObj>
               </mc:Choice>
               <mc:Fallback>
-                <p:oleObj name="Equation" r:id="rId13" imgW="1002960" imgH="228600" progId="Equation.3">
+                <p:oleObj name="Equation" r:id="rId9" imgW="1002960" imgH="228600" progId="Equation.3">
                   <p:embed/>
                   <p:pic>
                     <p:nvPicPr>
@@ -12491,7 +12595,7 @@
                       <p:nvPr/>
                     </p:nvPicPr>
                     <p:blipFill>
-                      <a:blip r:embed="rId14"/>
+                      <a:blip r:embed="rId10"/>
                       <a:stretch>
                         <a:fillRect/>
                       </a:stretch>
@@ -12530,12 +12634,12 @@
           <a:graphicData uri="http://schemas.openxmlformats.org/presentationml/2006/ole">
             <mc:AlternateContent xmlns:mc="http://schemas.openxmlformats.org/markup-compatibility/2006">
               <mc:Choice xmlns:v="urn:schemas-microsoft-com:vml" Requires="v">
-                <p:oleObj spid="_x0000_s3188" name="Equation" r:id="rId15" imgW="1358640" imgH="228600" progId="Equation.3">
+                <p:oleObj spid="_x0000_s3294" name="Equation" r:id="rId11" imgW="1358640" imgH="228600" progId="Equation.3">
                   <p:embed/>
                 </p:oleObj>
               </mc:Choice>
               <mc:Fallback>
-                <p:oleObj name="Equation" r:id="rId15" imgW="1358640" imgH="228600" progId="Equation.3">
+                <p:oleObj name="Equation" r:id="rId11" imgW="1358640" imgH="228600" progId="Equation.3">
                   <p:embed/>
                   <p:pic>
                     <p:nvPicPr>
@@ -12544,7 +12648,7 @@
                       <p:nvPr/>
                     </p:nvPicPr>
                     <p:blipFill>
-                      <a:blip r:embed="rId16"/>
+                      <a:blip r:embed="rId12"/>
                       <a:stretch>
                         <a:fillRect/>
                       </a:stretch>
@@ -12583,12 +12687,12 @@
           <a:graphicData uri="http://schemas.openxmlformats.org/presentationml/2006/ole">
             <mc:AlternateContent xmlns:mc="http://schemas.openxmlformats.org/markup-compatibility/2006">
               <mc:Choice xmlns:v="urn:schemas-microsoft-com:vml" Requires="v">
-                <p:oleObj spid="_x0000_s3189" name="Equation" r:id="rId17" imgW="2450880" imgH="304560" progId="Equation.3">
+                <p:oleObj spid="_x0000_s3295" name="Equation" r:id="rId13" imgW="2450880" imgH="304560" progId="Equation.3">
                   <p:embed/>
                 </p:oleObj>
               </mc:Choice>
               <mc:Fallback>
-                <p:oleObj name="Equation" r:id="rId17" imgW="2450880" imgH="304560" progId="Equation.3">
+                <p:oleObj name="Equation" r:id="rId13" imgW="2450880" imgH="304560" progId="Equation.3">
                   <p:embed/>
                   <p:pic>
                     <p:nvPicPr>
@@ -12597,7 +12701,7 @@
                       <p:nvPr/>
                     </p:nvPicPr>
                     <p:blipFill>
-                      <a:blip r:embed="rId18"/>
+                      <a:blip r:embed="rId14"/>
                       <a:stretch>
                         <a:fillRect/>
                       </a:stretch>
@@ -12636,12 +12740,12 @@
           <a:graphicData uri="http://schemas.openxmlformats.org/presentationml/2006/ole">
             <mc:AlternateContent xmlns:mc="http://schemas.openxmlformats.org/markup-compatibility/2006">
               <mc:Choice xmlns:v="urn:schemas-microsoft-com:vml" Requires="v">
-                <p:oleObj spid="_x0000_s3190" name="Equation" r:id="rId19" imgW="444240" imgH="241200" progId="Equation.3">
+                <p:oleObj spid="_x0000_s3296" name="Equation" r:id="rId15" imgW="444240" imgH="241200" progId="Equation.3">
                   <p:embed/>
                 </p:oleObj>
               </mc:Choice>
               <mc:Fallback>
-                <p:oleObj name="Equation" r:id="rId19" imgW="444240" imgH="241200" progId="Equation.3">
+                <p:oleObj name="Equation" r:id="rId15" imgW="444240" imgH="241200" progId="Equation.3">
                   <p:embed/>
                   <p:pic>
                     <p:nvPicPr>
@@ -12650,7 +12754,7 @@
                       <p:nvPr/>
                     </p:nvPicPr>
                     <p:blipFill>
-                      <a:blip r:embed="rId20"/>
+                      <a:blip r:embed="rId16"/>
                       <a:stretch>
                         <a:fillRect/>
                       </a:stretch>
@@ -12689,12 +12793,12 @@
           <a:graphicData uri="http://schemas.openxmlformats.org/presentationml/2006/ole">
             <mc:AlternateContent xmlns:mc="http://schemas.openxmlformats.org/markup-compatibility/2006">
               <mc:Choice xmlns:v="urn:schemas-microsoft-com:vml" Requires="v">
-                <p:oleObj spid="_x0000_s3191" name="Equation" r:id="rId21" imgW="685800" imgH="431640" progId="Equation.3">
+                <p:oleObj spid="_x0000_s3297" name="Equation" r:id="rId17" imgW="685800" imgH="431640" progId="Equation.3">
                   <p:embed/>
                 </p:oleObj>
               </mc:Choice>
               <mc:Fallback>
-                <p:oleObj name="Equation" r:id="rId21" imgW="685800" imgH="431640" progId="Equation.3">
+                <p:oleObj name="Equation" r:id="rId17" imgW="685800" imgH="431640" progId="Equation.3">
                   <p:embed/>
                   <p:pic>
                     <p:nvPicPr>
@@ -12703,7 +12807,7 @@
                       <p:nvPr/>
                     </p:nvPicPr>
                     <p:blipFill>
-                      <a:blip r:embed="rId22"/>
+                      <a:blip r:embed="rId18"/>
                       <a:stretch>
                         <a:fillRect/>
                       </a:stretch>
@@ -12742,12 +12846,12 @@
           <a:graphicData uri="http://schemas.openxmlformats.org/presentationml/2006/ole">
             <mc:AlternateContent xmlns:mc="http://schemas.openxmlformats.org/markup-compatibility/2006">
               <mc:Choice xmlns:v="urn:schemas-microsoft-com:vml" Requires="v">
-                <p:oleObj spid="_x0000_s3192" name="Equation" r:id="rId23" imgW="1981080" imgH="228600" progId="Equation.3">
+                <p:oleObj spid="_x0000_s3298" name="Equation" r:id="rId19" imgW="1981080" imgH="228600" progId="Equation.3">
                   <p:embed/>
                 </p:oleObj>
               </mc:Choice>
               <mc:Fallback>
-                <p:oleObj name="Equation" r:id="rId23" imgW="1981080" imgH="228600" progId="Equation.3">
+                <p:oleObj name="Equation" r:id="rId19" imgW="1981080" imgH="228600" progId="Equation.3">
                   <p:embed/>
                   <p:pic>
                     <p:nvPicPr>
@@ -12756,7 +12860,7 @@
                       <p:nvPr/>
                     </p:nvPicPr>
                     <p:blipFill>
-                      <a:blip r:embed="rId24"/>
+                      <a:blip r:embed="rId20"/>
                       <a:stretch>
                         <a:fillRect/>
                       </a:stretch>
@@ -13582,8 +13686,8 @@
             </a:p>
           </p:txBody>
         </p:sp>
-        <mc:AlternateContent xmlns:mc="http://schemas.openxmlformats.org/markup-compatibility/2006">
-          <mc:Choice xmlns:a14="http://schemas.microsoft.com/office/drawing/2010/main" Requires="a14">
+        <mc:AlternateContent xmlns:mc="http://schemas.openxmlformats.org/markup-compatibility/2006" xmlns:a14="http://schemas.microsoft.com/office/drawing/2010/main">
+          <mc:Choice Requires="a14">
             <p:sp>
               <p:nvSpPr>
                 <p:cNvPr id="41" name="TextBox 40"/>
@@ -13727,7 +13831,7 @@
               </p:txBody>
             </p:sp>
           </mc:Choice>
-          <mc:Fallback>
+          <mc:Fallback xmlns="">
             <p:sp>
               <p:nvSpPr>
                 <p:cNvPr id="41" name="TextBox 40"/>
@@ -13955,7 +14059,7 @@
           <a:graphicData uri="http://schemas.openxmlformats.org/presentationml/2006/ole">
             <mc:AlternateContent xmlns:mc="http://schemas.openxmlformats.org/markup-compatibility/2006">
               <mc:Choice xmlns:v="urn:schemas-microsoft-com:vml" Requires="v">
-                <p:oleObj spid="_x0000_s3193" name="Equation" r:id="rId27" imgW="1892160" imgH="939600" progId="Equation.3">
+                <p:oleObj spid="_x0000_s3299" name="Equation" r:id="rId27" imgW="1892160" imgH="939600" progId="Equation.3">
                   <p:embed/>
                 </p:oleObj>
               </mc:Choice>
@@ -13987,6 +14091,149 @@
                           <a:srgbClr val="FF0000"/>
                         </a:solidFill>
                       </a:ln>
+                    </p:spPr>
+                  </p:pic>
+                </p:oleObj>
+              </mc:Fallback>
+            </mc:AlternateContent>
+          </a:graphicData>
+        </a:graphic>
+      </p:graphicFrame>
+      <p:graphicFrame>
+        <p:nvGraphicFramePr>
+          <p:cNvPr id="54" name="Object 53"/>
+          <p:cNvGraphicFramePr>
+            <a:graphicFrameLocks noChangeAspect="1"/>
+          </p:cNvGraphicFramePr>
+          <p:nvPr>
+            <p:extLst>
+              <p:ext uri="{D42A27DB-BD31-4B8C-83A1-F6EECF244321}">
+                <p14:modId xmlns:p14="http://schemas.microsoft.com/office/powerpoint/2010/main" val="4202406136"/>
+              </p:ext>
+            </p:extLst>
+          </p:nvPr>
+        </p:nvGraphicFramePr>
+        <p:xfrm>
+          <a:off x="5156200" y="1581150"/>
+          <a:ext cx="2044700" cy="1697038"/>
+        </p:xfrm>
+        <a:graphic>
+          <a:graphicData uri="http://schemas.openxmlformats.org/presentationml/2006/ole">
+            <mc:AlternateContent xmlns:mc="http://schemas.openxmlformats.org/markup-compatibility/2006">
+              <mc:Choice xmlns:v="urn:schemas-microsoft-com:vml" Requires="v">
+                <p:oleObj spid="_x0000_s3300" name="Equation" r:id="rId29" imgW="1473120" imgH="1218960" progId="Equation.3">
+                  <p:embed/>
+                </p:oleObj>
+              </mc:Choice>
+              <mc:Fallback>
+                <p:oleObj name="Equation" r:id="rId29" imgW="1473120" imgH="1218960" progId="Equation.3">
+                  <p:embed/>
+                  <p:pic>
+                    <p:nvPicPr>
+                      <p:cNvPr id="33" name="Object 32"/>
+                      <p:cNvPicPr/>
+                      <p:nvPr/>
+                    </p:nvPicPr>
+                    <p:blipFill>
+                      <a:blip r:embed="rId30"/>
+                      <a:stretch>
+                        <a:fillRect/>
+                      </a:stretch>
+                    </p:blipFill>
+                    <p:spPr>
+                      <a:xfrm>
+                        <a:off x="5156200" y="1581150"/>
+                        <a:ext cx="2044700" cy="1697038"/>
+                      </a:xfrm>
+                      <a:prstGeom prst="rect">
+                        <a:avLst/>
+                      </a:prstGeom>
+                    </p:spPr>
+                  </p:pic>
+                </p:oleObj>
+              </mc:Fallback>
+            </mc:AlternateContent>
+          </a:graphicData>
+        </a:graphic>
+      </p:graphicFrame>
+      <p:sp>
+        <p:nvSpPr>
+          <p:cNvPr id="3" name="TextBox 2"/>
+          <p:cNvSpPr txBox="1"/>
+          <p:nvPr/>
+        </p:nvSpPr>
+        <p:spPr>
+          <a:xfrm>
+            <a:off x="1820707" y="6533428"/>
+            <a:ext cx="6853158" cy="369332"/>
+          </a:xfrm>
+          <a:prstGeom prst="rect">
+            <a:avLst/>
+          </a:prstGeom>
+          <a:noFill/>
+        </p:spPr>
+        <p:txBody>
+          <a:bodyPr wrap="none" rtlCol="0">
+            <a:spAutoFit/>
+          </a:bodyPr>
+          <a:lstStyle/>
+          <a:p>
+            <a:r>
+              <a:rPr lang="en-US" dirty="0"/>
+              <a:t>May need to modify the optimization problem to account for noise</a:t>
+            </a:r>
+          </a:p>
+        </p:txBody>
+      </p:sp>
+      <p:graphicFrame>
+        <p:nvGraphicFramePr>
+          <p:cNvPr id="55" name="Object 54"/>
+          <p:cNvGraphicFramePr>
+            <a:graphicFrameLocks noChangeAspect="1"/>
+          </p:cNvGraphicFramePr>
+          <p:nvPr>
+            <p:extLst>
+              <p:ext uri="{D42A27DB-BD31-4B8C-83A1-F6EECF244321}">
+                <p14:modId xmlns:p14="http://schemas.microsoft.com/office/powerpoint/2010/main" val="1446629883"/>
+              </p:ext>
+            </p:extLst>
+          </p:nvPr>
+        </p:nvGraphicFramePr>
+        <p:xfrm>
+          <a:off x="674457" y="3730074"/>
+          <a:ext cx="1607912" cy="1138008"/>
+        </p:xfrm>
+        <a:graphic>
+          <a:graphicData uri="http://schemas.openxmlformats.org/presentationml/2006/ole">
+            <mc:AlternateContent xmlns:mc="http://schemas.openxmlformats.org/markup-compatibility/2006">
+              <mc:Choice xmlns:v="urn:schemas-microsoft-com:vml" Requires="v">
+                <p:oleObj spid="_x0000_s3301" name="Equation" r:id="rId31" imgW="1333440" imgH="939600" progId="Equation.3">
+                  <p:embed/>
+                </p:oleObj>
+              </mc:Choice>
+              <mc:Fallback>
+                <p:oleObj name="Equation" r:id="rId31" imgW="1333440" imgH="939600" progId="Equation.3">
+                  <p:embed/>
+                  <p:pic>
+                    <p:nvPicPr>
+                      <p:cNvPr id="36" name="Object 35"/>
+                      <p:cNvPicPr/>
+                      <p:nvPr/>
+                    </p:nvPicPr>
+                    <p:blipFill>
+                      <a:blip r:embed="rId32"/>
+                      <a:stretch>
+                        <a:fillRect/>
+                      </a:stretch>
+                    </p:blipFill>
+                    <p:spPr>
+                      <a:xfrm>
+                        <a:off x="674457" y="3730074"/>
+                        <a:ext cx="1607912" cy="1138008"/>
+                      </a:xfrm>
+                      <a:prstGeom prst="rect">
+                        <a:avLst/>
+                      </a:prstGeom>
                     </p:spPr>
                   </p:pic>
                 </p:oleObj>
@@ -14042,8 +14289,82 @@
           <a:p>
             <a:r>
               <a:rPr lang="en-US" dirty="0"/>
-              <a:t>Experiments</a:t>
+              <a:t>Analysis</a:t>
             </a:r>
+          </a:p>
+        </p:txBody>
+      </p:sp>
+      <p:sp>
+        <p:nvSpPr>
+          <p:cNvPr id="11" name="Content Placeholder 10"/>
+          <p:cNvSpPr>
+            <a:spLocks noGrp="1"/>
+          </p:cNvSpPr>
+          <p:nvPr>
+            <p:ph sz="quarter" idx="12"/>
+          </p:nvPr>
+        </p:nvSpPr>
+        <p:spPr>
+          <a:xfrm>
+            <a:off x="590822" y="1108752"/>
+            <a:ext cx="8688211" cy="3171971"/>
+          </a:xfrm>
+        </p:spPr>
+        <p:txBody>
+          <a:bodyPr/>
+          <a:lstStyle/>
+          <a:p>
+            <a:r>
+              <a:rPr lang="en-US" dirty="0"/>
+              <a:t>Problem: Generate trajectory with 1 obstacle</a:t>
+            </a:r>
+          </a:p>
+          <a:p>
+            <a:endParaRPr lang="en-US" dirty="0"/>
+          </a:p>
+          <a:p>
+            <a:r>
+              <a:rPr lang="en-US" dirty="0"/>
+              <a:t>At every time step:</a:t>
+            </a:r>
+          </a:p>
+          <a:p>
+            <a:pPr lvl="1"/>
+            <a:r>
+              <a:rPr lang="en-US" sz="1600" dirty="0"/>
+              <a:t>Add noise to current state vector</a:t>
+            </a:r>
+          </a:p>
+          <a:p>
+            <a:pPr lvl="1"/>
+            <a:endParaRPr lang="en-US" sz="1600" dirty="0"/>
+          </a:p>
+          <a:p>
+            <a:pPr lvl="1"/>
+            <a:endParaRPr lang="en-US" sz="1600" dirty="0"/>
+          </a:p>
+          <a:p>
+            <a:pPr lvl="1"/>
+            <a:endParaRPr lang="en-US" sz="1600" dirty="0"/>
+          </a:p>
+          <a:p>
+            <a:pPr lvl="1"/>
+            <a:endParaRPr lang="en-US" sz="1600" dirty="0"/>
+          </a:p>
+          <a:p>
+            <a:pPr lvl="1"/>
+            <a:endParaRPr lang="en-US" sz="1600" dirty="0"/>
+          </a:p>
+          <a:p>
+            <a:pPr lvl="1"/>
+            <a:r>
+              <a:rPr lang="en-US" sz="1600" dirty="0"/>
+              <a:t>Solve the optimization problem to find the control signal for the current time</a:t>
+            </a:r>
+          </a:p>
+          <a:p>
+            <a:pPr lvl="1"/>
+            <a:endParaRPr lang="en-US" sz="1600" dirty="0"/>
           </a:p>
         </p:txBody>
       </p:sp>
@@ -14054,7 +14375,7 @@
             <a:spLocks noGrp="1"/>
           </p:cNvSpPr>
           <p:nvPr>
-            <p:ph type="sldNum" sz="quarter" idx="10"/>
+            <p:ph type="sldNum" sz="quarter" idx="13"/>
           </p:nvPr>
         </p:nvSpPr>
         <p:spPr/>
@@ -14085,13 +14406,13 @@
           <p:nvPr>
             <p:extLst>
               <p:ext uri="{D42A27DB-BD31-4B8C-83A1-F6EECF244321}">
-                <p14:modId xmlns:p14="http://schemas.microsoft.com/office/powerpoint/2010/main" val="2833879154"/>
+                <p14:modId xmlns:p14="http://schemas.microsoft.com/office/powerpoint/2010/main" val="3491107310"/>
               </p:ext>
             </p:extLst>
           </p:nvPr>
         </p:nvGraphicFramePr>
         <p:xfrm>
-          <a:off x="1680104" y="1539698"/>
+          <a:off x="1574719" y="4821885"/>
           <a:ext cx="6720415" cy="1854200"/>
         </p:xfrm>
         <a:graphic>
@@ -14587,7 +14908,7 @@
         </p:nvGrpSpPr>
         <p:grpSpPr>
           <a:xfrm>
-            <a:off x="1813791" y="1936605"/>
+            <a:off x="1696530" y="5180640"/>
             <a:ext cx="338989" cy="1447945"/>
             <a:chOff x="1813791" y="1936605"/>
             <a:chExt cx="338989" cy="1447945"/>
@@ -14615,7 +14936,7 @@
             <a:graphicData uri="http://schemas.openxmlformats.org/presentationml/2006/ole">
               <mc:AlternateContent xmlns:mc="http://schemas.openxmlformats.org/markup-compatibility/2006">
                 <mc:Choice xmlns:v="urn:schemas-microsoft-com:vml" Requires="v">
-                  <p:oleObj spid="_x0000_s4130" name="Equation" r:id="rId3" imgW="215640" imgH="215640" progId="Equation.3">
+                  <p:oleObj spid="_x0000_s4171" name="Equation" r:id="rId3" imgW="215640" imgH="215640" progId="Equation.3">
                     <p:embed/>
                   </p:oleObj>
                 </mc:Choice>
@@ -14672,7 +14993,7 @@
             <a:graphicData uri="http://schemas.openxmlformats.org/presentationml/2006/ole">
               <mc:AlternateContent xmlns:mc="http://schemas.openxmlformats.org/markup-compatibility/2006">
                 <mc:Choice xmlns:v="urn:schemas-microsoft-com:vml" Requires="v">
-                  <p:oleObj spid="_x0000_s4131" name="Equation" r:id="rId5" imgW="228600" imgH="228600" progId="Equation.3">
+                  <p:oleObj spid="_x0000_s4172" name="Equation" r:id="rId5" imgW="228600" imgH="228600" progId="Equation.3">
                     <p:embed/>
                   </p:oleObj>
                 </mc:Choice>
@@ -14729,7 +15050,7 @@
             <a:graphicData uri="http://schemas.openxmlformats.org/presentationml/2006/ole">
               <mc:AlternateContent xmlns:mc="http://schemas.openxmlformats.org/markup-compatibility/2006">
                 <mc:Choice xmlns:v="urn:schemas-microsoft-com:vml" Requires="v">
-                  <p:oleObj spid="_x0000_s4132" name="Equation" r:id="rId7" imgW="203040" imgH="228600" progId="Equation.3">
+                  <p:oleObj spid="_x0000_s4173" name="Equation" r:id="rId7" imgW="203040" imgH="228600" progId="Equation.3">
                     <p:embed/>
                   </p:oleObj>
                 </mc:Choice>
@@ -14786,7 +15107,7 @@
             <a:graphicData uri="http://schemas.openxmlformats.org/presentationml/2006/ole">
               <mc:AlternateContent xmlns:mc="http://schemas.openxmlformats.org/markup-compatibility/2006">
                 <mc:Choice xmlns:v="urn:schemas-microsoft-com:vml" Requires="v">
-                  <p:oleObj spid="_x0000_s4133" name="Equation" r:id="rId9" imgW="215640" imgH="241200" progId="Equation.3">
+                  <p:oleObj spid="_x0000_s4174" name="Equation" r:id="rId9" imgW="215640" imgH="241200" progId="Equation.3">
                     <p:embed/>
                   </p:oleObj>
                 </mc:Choice>
@@ -14822,6 +15143,95 @@
           </a:graphic>
         </p:graphicFrame>
       </p:grpSp>
+      <p:sp>
+        <p:nvSpPr>
+          <p:cNvPr id="10" name="TextBox 9"/>
+          <p:cNvSpPr txBox="1"/>
+          <p:nvPr/>
+        </p:nvSpPr>
+        <p:spPr>
+          <a:xfrm>
+            <a:off x="4199915" y="4298187"/>
+            <a:ext cx="1467068" cy="369332"/>
+          </a:xfrm>
+          <a:prstGeom prst="rect">
+            <a:avLst/>
+          </a:prstGeom>
+          <a:noFill/>
+        </p:spPr>
+        <p:txBody>
+          <a:bodyPr wrap="none" rtlCol="0">
+            <a:spAutoFit/>
+          </a:bodyPr>
+          <a:lstStyle/>
+          <a:p>
+            <a:r>
+              <a:rPr lang="en-US" dirty="0"/>
+              <a:t>Experiments</a:t>
+            </a:r>
+          </a:p>
+        </p:txBody>
+      </p:sp>
+      <p:graphicFrame>
+        <p:nvGraphicFramePr>
+          <p:cNvPr id="12" name="Object 11"/>
+          <p:cNvGraphicFramePr>
+            <a:graphicFrameLocks noChangeAspect="1"/>
+          </p:cNvGraphicFramePr>
+          <p:nvPr>
+            <p:extLst>
+              <p:ext uri="{D42A27DB-BD31-4B8C-83A1-F6EECF244321}">
+                <p14:modId xmlns:p14="http://schemas.microsoft.com/office/powerpoint/2010/main" val="1067010659"/>
+              </p:ext>
+            </p:extLst>
+          </p:nvPr>
+        </p:nvGraphicFramePr>
+        <p:xfrm>
+          <a:off x="2243985" y="2310971"/>
+          <a:ext cx="2174875" cy="1081088"/>
+        </p:xfrm>
+        <a:graphic>
+          <a:graphicData uri="http://schemas.openxmlformats.org/presentationml/2006/ole">
+            <mc:AlternateContent xmlns:mc="http://schemas.openxmlformats.org/markup-compatibility/2006">
+              <mc:Choice xmlns:v="urn:schemas-microsoft-com:vml" Requires="v">
+                <p:oleObj spid="_x0000_s4175" name="Equation" r:id="rId11" imgW="1892160" imgH="939600" progId="Equation.3">
+                  <p:embed/>
+                </p:oleObj>
+              </mc:Choice>
+              <mc:Fallback>
+                <p:oleObj name="Equation" r:id="rId11" imgW="1892160" imgH="939600" progId="Equation.3">
+                  <p:embed/>
+                  <p:pic>
+                    <p:nvPicPr>
+                      <p:cNvPr id="53" name="Object 52"/>
+                      <p:cNvPicPr/>
+                      <p:nvPr/>
+                    </p:nvPicPr>
+                    <p:blipFill>
+                      <a:blip r:embed="rId12"/>
+                      <a:stretch>
+                        <a:fillRect/>
+                      </a:stretch>
+                    </p:blipFill>
+                    <p:spPr>
+                      <a:xfrm>
+                        <a:off x="2243985" y="2310971"/>
+                        <a:ext cx="2174875" cy="1081088"/>
+                      </a:xfrm>
+                      <a:prstGeom prst="rect">
+                        <a:avLst/>
+                      </a:prstGeom>
+                      <a:ln>
+                        <a:noFill/>
+                      </a:ln>
+                    </p:spPr>
+                  </p:pic>
+                </p:oleObj>
+              </mc:Fallback>
+            </mc:AlternateContent>
+          </a:graphicData>
+        </a:graphic>
+      </p:graphicFrame>
     </p:spTree>
     <p:extLst>
       <p:ext uri="{BB962C8B-B14F-4D97-AF65-F5344CB8AC3E}">
@@ -14899,16 +15309,16 @@
       </p:sp>
       <p:grpSp>
         <p:nvGrpSpPr>
-          <p:cNvPr id="8" name="Group 7"/>
+          <p:cNvPr id="3" name="Group 2"/>
           <p:cNvGrpSpPr/>
           <p:nvPr/>
         </p:nvGrpSpPr>
         <p:grpSpPr>
           <a:xfrm>
-            <a:off x="7626927" y="2095941"/>
-            <a:ext cx="1958604" cy="1180219"/>
-            <a:chOff x="7626927" y="2095941"/>
-            <a:chExt cx="1958604" cy="1180219"/>
+            <a:off x="7626927" y="1658342"/>
+            <a:ext cx="1958604" cy="1617818"/>
+            <a:chOff x="7626927" y="1658342"/>
+            <a:chExt cx="1958604" cy="1617818"/>
           </a:xfrm>
         </p:grpSpPr>
         <p:cxnSp>
@@ -15102,6 +15512,66 @@
             </a:p>
           </p:txBody>
         </p:sp>
+        <p:cxnSp>
+          <p:nvCxnSpPr>
+            <p:cNvPr id="11" name="Straight Connector 10"/>
+            <p:cNvCxnSpPr/>
+            <p:nvPr/>
+          </p:nvCxnSpPr>
+          <p:spPr>
+            <a:xfrm>
+              <a:off x="7626927" y="1830212"/>
+              <a:ext cx="446809" cy="0"/>
+            </a:xfrm>
+            <a:prstGeom prst="line">
+              <a:avLst/>
+            </a:prstGeom>
+            <a:ln/>
+          </p:spPr>
+          <p:style>
+            <a:lnRef idx="2">
+              <a:schemeClr val="accent5"/>
+            </a:lnRef>
+            <a:fillRef idx="0">
+              <a:schemeClr val="accent5"/>
+            </a:fillRef>
+            <a:effectRef idx="1">
+              <a:schemeClr val="accent5"/>
+            </a:effectRef>
+            <a:fontRef idx="minor">
+              <a:schemeClr val="tx1"/>
+            </a:fontRef>
+          </p:style>
+        </p:cxnSp>
+        <p:sp>
+          <p:nvSpPr>
+            <p:cNvPr id="12" name="TextBox 11"/>
+            <p:cNvSpPr txBox="1"/>
+            <p:nvPr/>
+          </p:nvSpPr>
+          <p:spPr>
+            <a:xfrm>
+              <a:off x="8156863" y="1658342"/>
+              <a:ext cx="958917" cy="338554"/>
+            </a:xfrm>
+            <a:prstGeom prst="rect">
+              <a:avLst/>
+            </a:prstGeom>
+            <a:noFill/>
+          </p:spPr>
+          <p:txBody>
+            <a:bodyPr wrap="none" rtlCol="0">
+              <a:spAutoFit/>
+            </a:bodyPr>
+            <a:lstStyle/>
+            <a:p>
+              <a:r>
+                <a:rPr lang="en-US" sz="1600" dirty="0"/>
+                <a:t>no noise</a:t>
+              </a:r>
+            </a:p>
+          </p:txBody>
+        </p:sp>
       </p:grpSp>
     </p:spTree>
   </p:cSld>
@@ -15178,23 +15648,45 @@
           </a:ln>
         </p:spPr>
       </p:pic>
+      <p:sp>
+        <p:nvSpPr>
+          <p:cNvPr id="2" name="Title 1"/>
+          <p:cNvSpPr>
+            <a:spLocks noGrp="1"/>
+          </p:cNvSpPr>
+          <p:nvPr>
+            <p:ph type="title"/>
+          </p:nvPr>
+        </p:nvSpPr>
+        <p:spPr/>
+        <p:txBody>
+          <a:bodyPr/>
+          <a:lstStyle/>
+          <a:p>
+            <a:r>
+              <a:rPr lang="en-US" dirty="0"/>
+              <a:t>E, N vs time</a:t>
+            </a:r>
+          </a:p>
+        </p:txBody>
+      </p:sp>
       <p:grpSp>
         <p:nvGrpSpPr>
-          <p:cNvPr id="3" name="Group 2"/>
+          <p:cNvPr id="11" name="Group 10"/>
           <p:cNvGrpSpPr/>
           <p:nvPr/>
         </p:nvGrpSpPr>
         <p:grpSpPr>
           <a:xfrm>
-            <a:off x="7626927" y="2095941"/>
-            <a:ext cx="1958604" cy="1180219"/>
-            <a:chOff x="7626927" y="2095941"/>
-            <a:chExt cx="1958604" cy="1180219"/>
+            <a:off x="7626927" y="1658342"/>
+            <a:ext cx="1958604" cy="1617818"/>
+            <a:chOff x="7626927" y="1658342"/>
+            <a:chExt cx="1958604" cy="1617818"/>
           </a:xfrm>
         </p:grpSpPr>
         <p:cxnSp>
           <p:nvCxnSpPr>
-            <p:cNvPr id="4" name="Straight Connector 3"/>
+            <p:cNvPr id="12" name="Straight Connector 11"/>
             <p:cNvCxnSpPr/>
             <p:nvPr/>
           </p:nvCxnSpPr>
@@ -15232,7 +15724,7 @@
         </p:cxnSp>
         <p:cxnSp>
           <p:nvCxnSpPr>
-            <p:cNvPr id="5" name="Straight Connector 4"/>
+            <p:cNvPr id="13" name="Straight Connector 12"/>
             <p:cNvCxnSpPr/>
             <p:nvPr/>
           </p:nvCxnSpPr>
@@ -15267,7 +15759,7 @@
         </p:cxnSp>
         <p:cxnSp>
           <p:nvCxnSpPr>
-            <p:cNvPr id="6" name="Straight Connector 5"/>
+            <p:cNvPr id="14" name="Straight Connector 13"/>
             <p:cNvCxnSpPr/>
             <p:nvPr/>
           </p:nvCxnSpPr>
@@ -15298,7 +15790,7 @@
         </p:cxnSp>
         <p:sp>
           <p:nvSpPr>
-            <p:cNvPr id="7" name="TextBox 6"/>
+            <p:cNvPr id="15" name="TextBox 14"/>
             <p:cNvSpPr txBox="1"/>
             <p:nvPr/>
           </p:nvSpPr>
@@ -15327,7 +15819,7 @@
         </p:sp>
         <p:sp>
           <p:nvSpPr>
-            <p:cNvPr id="8" name="TextBox 7"/>
+            <p:cNvPr id="16" name="TextBox 15"/>
             <p:cNvSpPr txBox="1"/>
             <p:nvPr/>
           </p:nvSpPr>
@@ -15356,7 +15848,7 @@
         </p:sp>
         <p:sp>
           <p:nvSpPr>
-            <p:cNvPr id="9" name="TextBox 8"/>
+            <p:cNvPr id="17" name="TextBox 16"/>
             <p:cNvSpPr txBox="1"/>
             <p:nvPr/>
           </p:nvSpPr>
@@ -15383,29 +15875,67 @@
             </a:p>
           </p:txBody>
         </p:sp>
+        <p:cxnSp>
+          <p:nvCxnSpPr>
+            <p:cNvPr id="18" name="Straight Connector 17"/>
+            <p:cNvCxnSpPr/>
+            <p:nvPr/>
+          </p:nvCxnSpPr>
+          <p:spPr>
+            <a:xfrm>
+              <a:off x="7626927" y="1830212"/>
+              <a:ext cx="446809" cy="0"/>
+            </a:xfrm>
+            <a:prstGeom prst="line">
+              <a:avLst/>
+            </a:prstGeom>
+            <a:ln/>
+          </p:spPr>
+          <p:style>
+            <a:lnRef idx="2">
+              <a:schemeClr val="accent5"/>
+            </a:lnRef>
+            <a:fillRef idx="0">
+              <a:schemeClr val="accent5"/>
+            </a:fillRef>
+            <a:effectRef idx="1">
+              <a:schemeClr val="accent5"/>
+            </a:effectRef>
+            <a:fontRef idx="minor">
+              <a:schemeClr val="tx1"/>
+            </a:fontRef>
+          </p:style>
+        </p:cxnSp>
+        <p:sp>
+          <p:nvSpPr>
+            <p:cNvPr id="19" name="TextBox 18"/>
+            <p:cNvSpPr txBox="1"/>
+            <p:nvPr/>
+          </p:nvSpPr>
+          <p:spPr>
+            <a:xfrm>
+              <a:off x="8156863" y="1658342"/>
+              <a:ext cx="958917" cy="338554"/>
+            </a:xfrm>
+            <a:prstGeom prst="rect">
+              <a:avLst/>
+            </a:prstGeom>
+            <a:noFill/>
+          </p:spPr>
+          <p:txBody>
+            <a:bodyPr wrap="none" rtlCol="0">
+              <a:spAutoFit/>
+            </a:bodyPr>
+            <a:lstStyle/>
+            <a:p>
+              <a:r>
+                <a:rPr lang="en-US" sz="1600" dirty="0"/>
+                <a:t>no noise</a:t>
+              </a:r>
+            </a:p>
+          </p:txBody>
+        </p:sp>
       </p:grpSp>
-      <p:sp>
-        <p:nvSpPr>
-          <p:cNvPr id="2" name="Title 1"/>
-          <p:cNvSpPr>
-            <a:spLocks noGrp="1"/>
-          </p:cNvSpPr>
-          <p:nvPr>
-            <p:ph type="title"/>
-          </p:nvPr>
-        </p:nvSpPr>
-        <p:spPr/>
-        <p:txBody>
-          <a:bodyPr/>
-          <a:lstStyle/>
-          <a:p>
-            <a:r>
-              <a:rPr lang="en-US" dirty="0"/>
-              <a:t>E, N vs time</a:t>
-            </a:r>
-          </a:p>
-        </p:txBody>
-      </p:sp>
     </p:spTree>
   </p:cSld>
   <p:clrMapOvr>
@@ -15481,23 +16011,45 @@
           </a:ln>
         </p:spPr>
       </p:pic>
+      <p:sp>
+        <p:nvSpPr>
+          <p:cNvPr id="2" name="Title 1"/>
+          <p:cNvSpPr>
+            <a:spLocks noGrp="1"/>
+          </p:cNvSpPr>
+          <p:nvPr>
+            <p:ph type="title"/>
+          </p:nvPr>
+        </p:nvSpPr>
+        <p:spPr/>
+        <p:txBody>
+          <a:bodyPr/>
+          <a:lstStyle/>
+          <a:p>
+            <a:r>
+              <a:rPr lang="en-US" dirty="0"/>
+              <a:t>V, V-dot vs time</a:t>
+            </a:r>
+          </a:p>
+        </p:txBody>
+      </p:sp>
       <p:grpSp>
         <p:nvGrpSpPr>
-          <p:cNvPr id="3" name="Group 2"/>
+          <p:cNvPr id="11" name="Group 10"/>
           <p:cNvGrpSpPr/>
           <p:nvPr/>
         </p:nvGrpSpPr>
         <p:grpSpPr>
           <a:xfrm>
-            <a:off x="7626927" y="2095941"/>
-            <a:ext cx="1958604" cy="1180219"/>
-            <a:chOff x="7626927" y="2095941"/>
-            <a:chExt cx="1958604" cy="1180219"/>
+            <a:off x="7626927" y="1658342"/>
+            <a:ext cx="1958604" cy="1617818"/>
+            <a:chOff x="7626927" y="1658342"/>
+            <a:chExt cx="1958604" cy="1617818"/>
           </a:xfrm>
         </p:grpSpPr>
         <p:cxnSp>
           <p:nvCxnSpPr>
-            <p:cNvPr id="4" name="Straight Connector 3"/>
+            <p:cNvPr id="12" name="Straight Connector 11"/>
             <p:cNvCxnSpPr/>
             <p:nvPr/>
           </p:nvCxnSpPr>
@@ -15535,7 +16087,7 @@
         </p:cxnSp>
         <p:cxnSp>
           <p:nvCxnSpPr>
-            <p:cNvPr id="5" name="Straight Connector 4"/>
+            <p:cNvPr id="13" name="Straight Connector 12"/>
             <p:cNvCxnSpPr/>
             <p:nvPr/>
           </p:nvCxnSpPr>
@@ -15570,7 +16122,7 @@
         </p:cxnSp>
         <p:cxnSp>
           <p:nvCxnSpPr>
-            <p:cNvPr id="6" name="Straight Connector 5"/>
+            <p:cNvPr id="14" name="Straight Connector 13"/>
             <p:cNvCxnSpPr/>
             <p:nvPr/>
           </p:nvCxnSpPr>
@@ -15601,7 +16153,7 @@
         </p:cxnSp>
         <p:sp>
           <p:nvSpPr>
-            <p:cNvPr id="7" name="TextBox 6"/>
+            <p:cNvPr id="15" name="TextBox 14"/>
             <p:cNvSpPr txBox="1"/>
             <p:nvPr/>
           </p:nvSpPr>
@@ -15630,7 +16182,7 @@
         </p:sp>
         <p:sp>
           <p:nvSpPr>
-            <p:cNvPr id="8" name="TextBox 7"/>
+            <p:cNvPr id="16" name="TextBox 15"/>
             <p:cNvSpPr txBox="1"/>
             <p:nvPr/>
           </p:nvSpPr>
@@ -15659,7 +16211,7 @@
         </p:sp>
         <p:sp>
           <p:nvSpPr>
-            <p:cNvPr id="9" name="TextBox 8"/>
+            <p:cNvPr id="17" name="TextBox 16"/>
             <p:cNvSpPr txBox="1"/>
             <p:nvPr/>
           </p:nvSpPr>
@@ -15686,29 +16238,67 @@
             </a:p>
           </p:txBody>
         </p:sp>
+        <p:cxnSp>
+          <p:nvCxnSpPr>
+            <p:cNvPr id="18" name="Straight Connector 17"/>
+            <p:cNvCxnSpPr/>
+            <p:nvPr/>
+          </p:nvCxnSpPr>
+          <p:spPr>
+            <a:xfrm>
+              <a:off x="7626927" y="1830212"/>
+              <a:ext cx="446809" cy="0"/>
+            </a:xfrm>
+            <a:prstGeom prst="line">
+              <a:avLst/>
+            </a:prstGeom>
+            <a:ln/>
+          </p:spPr>
+          <p:style>
+            <a:lnRef idx="2">
+              <a:schemeClr val="accent5"/>
+            </a:lnRef>
+            <a:fillRef idx="0">
+              <a:schemeClr val="accent5"/>
+            </a:fillRef>
+            <a:effectRef idx="1">
+              <a:schemeClr val="accent5"/>
+            </a:effectRef>
+            <a:fontRef idx="minor">
+              <a:schemeClr val="tx1"/>
+            </a:fontRef>
+          </p:style>
+        </p:cxnSp>
+        <p:sp>
+          <p:nvSpPr>
+            <p:cNvPr id="19" name="TextBox 18"/>
+            <p:cNvSpPr txBox="1"/>
+            <p:nvPr/>
+          </p:nvSpPr>
+          <p:spPr>
+            <a:xfrm>
+              <a:off x="8156863" y="1658342"/>
+              <a:ext cx="958917" cy="338554"/>
+            </a:xfrm>
+            <a:prstGeom prst="rect">
+              <a:avLst/>
+            </a:prstGeom>
+            <a:noFill/>
+          </p:spPr>
+          <p:txBody>
+            <a:bodyPr wrap="none" rtlCol="0">
+              <a:spAutoFit/>
+            </a:bodyPr>
+            <a:lstStyle/>
+            <a:p>
+              <a:r>
+                <a:rPr lang="en-US" sz="1600" dirty="0"/>
+                <a:t>no noise</a:t>
+              </a:r>
+            </a:p>
+          </p:txBody>
+        </p:sp>
       </p:grpSp>
-      <p:sp>
-        <p:nvSpPr>
-          <p:cNvPr id="2" name="Title 1"/>
-          <p:cNvSpPr>
-            <a:spLocks noGrp="1"/>
-          </p:cNvSpPr>
-          <p:nvPr>
-            <p:ph type="title"/>
-          </p:nvPr>
-        </p:nvSpPr>
-        <p:spPr/>
-        <p:txBody>
-          <a:bodyPr/>
-          <a:lstStyle/>
-          <a:p>
-            <a:r>
-              <a:rPr lang="en-US" dirty="0"/>
-              <a:t>V, V-dot vs time</a:t>
-            </a:r>
-          </a:p>
-        </p:txBody>
-      </p:sp>
     </p:spTree>
   </p:cSld>
   <p:clrMapOvr>
@@ -15784,212 +16374,6 @@
           </a:ln>
         </p:spPr>
       </p:pic>
-      <p:grpSp>
-        <p:nvGrpSpPr>
-          <p:cNvPr id="3" name="Group 2"/>
-          <p:cNvGrpSpPr/>
-          <p:nvPr/>
-        </p:nvGrpSpPr>
-        <p:grpSpPr>
-          <a:xfrm>
-            <a:off x="7626927" y="2095941"/>
-            <a:ext cx="1958604" cy="1180219"/>
-            <a:chOff x="7626927" y="2095941"/>
-            <a:chExt cx="1958604" cy="1180219"/>
-          </a:xfrm>
-        </p:grpSpPr>
-        <p:cxnSp>
-          <p:nvCxnSpPr>
-            <p:cNvPr id="4" name="Straight Connector 3"/>
-            <p:cNvCxnSpPr/>
-            <p:nvPr/>
-          </p:nvCxnSpPr>
-          <p:spPr>
-            <a:xfrm>
-              <a:off x="7626927" y="2265218"/>
-              <a:ext cx="446809" cy="0"/>
-            </a:xfrm>
-            <a:prstGeom prst="line">
-              <a:avLst/>
-            </a:prstGeom>
-            <a:ln>
-              <a:solidFill>
-                <a:schemeClr val="accent4">
-                  <a:lumMod val="60000"/>
-                  <a:lumOff val="40000"/>
-                </a:schemeClr>
-              </a:solidFill>
-            </a:ln>
-          </p:spPr>
-          <p:style>
-            <a:lnRef idx="2">
-              <a:schemeClr val="accent4"/>
-            </a:lnRef>
-            <a:fillRef idx="0">
-              <a:schemeClr val="accent4"/>
-            </a:fillRef>
-            <a:effectRef idx="1">
-              <a:schemeClr val="accent4"/>
-            </a:effectRef>
-            <a:fontRef idx="minor">
-              <a:schemeClr val="tx1"/>
-            </a:fontRef>
-          </p:style>
-        </p:cxnSp>
-        <p:cxnSp>
-          <p:nvCxnSpPr>
-            <p:cNvPr id="5" name="Straight Connector 4"/>
-            <p:cNvCxnSpPr/>
-            <p:nvPr/>
-          </p:nvCxnSpPr>
-          <p:spPr>
-            <a:xfrm>
-              <a:off x="7626927" y="2712028"/>
-              <a:ext cx="446809" cy="0"/>
-            </a:xfrm>
-            <a:prstGeom prst="line">
-              <a:avLst/>
-            </a:prstGeom>
-            <a:ln>
-              <a:solidFill>
-                <a:srgbClr val="339933"/>
-              </a:solidFill>
-            </a:ln>
-          </p:spPr>
-          <p:style>
-            <a:lnRef idx="2">
-              <a:schemeClr val="accent4"/>
-            </a:lnRef>
-            <a:fillRef idx="0">
-              <a:schemeClr val="accent4"/>
-            </a:fillRef>
-            <a:effectRef idx="1">
-              <a:schemeClr val="accent4"/>
-            </a:effectRef>
-            <a:fontRef idx="minor">
-              <a:schemeClr val="tx1"/>
-            </a:fontRef>
-          </p:style>
-        </p:cxnSp>
-        <p:cxnSp>
-          <p:nvCxnSpPr>
-            <p:cNvPr id="6" name="Straight Connector 5"/>
-            <p:cNvCxnSpPr/>
-            <p:nvPr/>
-          </p:nvCxnSpPr>
-          <p:spPr>
-            <a:xfrm>
-              <a:off x="7626927" y="3106883"/>
-              <a:ext cx="446809" cy="0"/>
-            </a:xfrm>
-            <a:prstGeom prst="line">
-              <a:avLst/>
-            </a:prstGeom>
-            <a:ln/>
-          </p:spPr>
-          <p:style>
-            <a:lnRef idx="2">
-              <a:schemeClr val="accent1"/>
-            </a:lnRef>
-            <a:fillRef idx="0">
-              <a:schemeClr val="accent1"/>
-            </a:fillRef>
-            <a:effectRef idx="1">
-              <a:schemeClr val="accent1"/>
-            </a:effectRef>
-            <a:fontRef idx="minor">
-              <a:schemeClr val="tx1"/>
-            </a:fontRef>
-          </p:style>
-        </p:cxnSp>
-        <p:sp>
-          <p:nvSpPr>
-            <p:cNvPr id="7" name="TextBox 6"/>
-            <p:cNvSpPr txBox="1"/>
-            <p:nvPr/>
-          </p:nvSpPr>
-          <p:spPr>
-            <a:xfrm>
-              <a:off x="8156863" y="2095941"/>
-              <a:ext cx="1037463" cy="338554"/>
-            </a:xfrm>
-            <a:prstGeom prst="rect">
-              <a:avLst/>
-            </a:prstGeom>
-            <a:noFill/>
-          </p:spPr>
-          <p:txBody>
-            <a:bodyPr wrap="none" rtlCol="0">
-              <a:spAutoFit/>
-            </a:bodyPr>
-            <a:lstStyle/>
-            <a:p>
-              <a:r>
-                <a:rPr lang="en-US" sz="1600" dirty="0"/>
-                <a:t>low noise</a:t>
-              </a:r>
-            </a:p>
-          </p:txBody>
-        </p:sp>
-        <p:sp>
-          <p:nvSpPr>
-            <p:cNvPr id="8" name="TextBox 7"/>
-            <p:cNvSpPr txBox="1"/>
-            <p:nvPr/>
-          </p:nvSpPr>
-          <p:spPr>
-            <a:xfrm>
-              <a:off x="8124875" y="2516773"/>
-              <a:ext cx="1460656" cy="338554"/>
-            </a:xfrm>
-            <a:prstGeom prst="rect">
-              <a:avLst/>
-            </a:prstGeom>
-            <a:noFill/>
-          </p:spPr>
-          <p:txBody>
-            <a:bodyPr wrap="none" rtlCol="0">
-              <a:spAutoFit/>
-            </a:bodyPr>
-            <a:lstStyle/>
-            <a:p>
-              <a:r>
-                <a:rPr lang="en-US" sz="1600" dirty="0"/>
-                <a:t>medium noise</a:t>
-              </a:r>
-            </a:p>
-          </p:txBody>
-        </p:sp>
-        <p:sp>
-          <p:nvSpPr>
-            <p:cNvPr id="9" name="TextBox 8"/>
-            <p:cNvSpPr txBox="1"/>
-            <p:nvPr/>
-          </p:nvSpPr>
-          <p:spPr>
-            <a:xfrm>
-              <a:off x="8156863" y="2937606"/>
-              <a:ext cx="1117614" cy="338554"/>
-            </a:xfrm>
-            <a:prstGeom prst="rect">
-              <a:avLst/>
-            </a:prstGeom>
-            <a:noFill/>
-          </p:spPr>
-          <p:txBody>
-            <a:bodyPr wrap="none" rtlCol="0">
-              <a:spAutoFit/>
-            </a:bodyPr>
-            <a:lstStyle/>
-            <a:p>
-              <a:r>
-                <a:rPr lang="en-US" sz="1600" dirty="0"/>
-                <a:t>high noise</a:t>
-              </a:r>
-            </a:p>
-          </p:txBody>
-        </p:sp>
-      </p:grpSp>
       <p:sp>
         <p:nvSpPr>
           <p:cNvPr id="2" name="Title 1"/>
@@ -16080,6 +16464,272 @@
           </a:p>
         </p:txBody>
       </p:sp>
+      <p:grpSp>
+        <p:nvGrpSpPr>
+          <p:cNvPr id="13" name="Group 12"/>
+          <p:cNvGrpSpPr/>
+          <p:nvPr/>
+        </p:nvGrpSpPr>
+        <p:grpSpPr>
+          <a:xfrm>
+            <a:off x="7626927" y="1658342"/>
+            <a:ext cx="1958604" cy="1617818"/>
+            <a:chOff x="7626927" y="1658342"/>
+            <a:chExt cx="1958604" cy="1617818"/>
+          </a:xfrm>
+        </p:grpSpPr>
+        <p:cxnSp>
+          <p:nvCxnSpPr>
+            <p:cNvPr id="14" name="Straight Connector 13"/>
+            <p:cNvCxnSpPr/>
+            <p:nvPr/>
+          </p:nvCxnSpPr>
+          <p:spPr>
+            <a:xfrm>
+              <a:off x="7626927" y="2265218"/>
+              <a:ext cx="446809" cy="0"/>
+            </a:xfrm>
+            <a:prstGeom prst="line">
+              <a:avLst/>
+            </a:prstGeom>
+            <a:ln>
+              <a:solidFill>
+                <a:schemeClr val="accent4">
+                  <a:lumMod val="60000"/>
+                  <a:lumOff val="40000"/>
+                </a:schemeClr>
+              </a:solidFill>
+            </a:ln>
+          </p:spPr>
+          <p:style>
+            <a:lnRef idx="2">
+              <a:schemeClr val="accent4"/>
+            </a:lnRef>
+            <a:fillRef idx="0">
+              <a:schemeClr val="accent4"/>
+            </a:fillRef>
+            <a:effectRef idx="1">
+              <a:schemeClr val="accent4"/>
+            </a:effectRef>
+            <a:fontRef idx="minor">
+              <a:schemeClr val="tx1"/>
+            </a:fontRef>
+          </p:style>
+        </p:cxnSp>
+        <p:cxnSp>
+          <p:nvCxnSpPr>
+            <p:cNvPr id="15" name="Straight Connector 14"/>
+            <p:cNvCxnSpPr/>
+            <p:nvPr/>
+          </p:nvCxnSpPr>
+          <p:spPr>
+            <a:xfrm>
+              <a:off x="7626927" y="2712028"/>
+              <a:ext cx="446809" cy="0"/>
+            </a:xfrm>
+            <a:prstGeom prst="line">
+              <a:avLst/>
+            </a:prstGeom>
+            <a:ln>
+              <a:solidFill>
+                <a:srgbClr val="339933"/>
+              </a:solidFill>
+            </a:ln>
+          </p:spPr>
+          <p:style>
+            <a:lnRef idx="2">
+              <a:schemeClr val="accent4"/>
+            </a:lnRef>
+            <a:fillRef idx="0">
+              <a:schemeClr val="accent4"/>
+            </a:fillRef>
+            <a:effectRef idx="1">
+              <a:schemeClr val="accent4"/>
+            </a:effectRef>
+            <a:fontRef idx="minor">
+              <a:schemeClr val="tx1"/>
+            </a:fontRef>
+          </p:style>
+        </p:cxnSp>
+        <p:cxnSp>
+          <p:nvCxnSpPr>
+            <p:cNvPr id="16" name="Straight Connector 15"/>
+            <p:cNvCxnSpPr/>
+            <p:nvPr/>
+          </p:nvCxnSpPr>
+          <p:spPr>
+            <a:xfrm>
+              <a:off x="7626927" y="3106883"/>
+              <a:ext cx="446809" cy="0"/>
+            </a:xfrm>
+            <a:prstGeom prst="line">
+              <a:avLst/>
+            </a:prstGeom>
+            <a:ln/>
+          </p:spPr>
+          <p:style>
+            <a:lnRef idx="2">
+              <a:schemeClr val="accent1"/>
+            </a:lnRef>
+            <a:fillRef idx="0">
+              <a:schemeClr val="accent1"/>
+            </a:fillRef>
+            <a:effectRef idx="1">
+              <a:schemeClr val="accent1"/>
+            </a:effectRef>
+            <a:fontRef idx="minor">
+              <a:schemeClr val="tx1"/>
+            </a:fontRef>
+          </p:style>
+        </p:cxnSp>
+        <p:sp>
+          <p:nvSpPr>
+            <p:cNvPr id="17" name="TextBox 16"/>
+            <p:cNvSpPr txBox="1"/>
+            <p:nvPr/>
+          </p:nvSpPr>
+          <p:spPr>
+            <a:xfrm>
+              <a:off x="8156863" y="2095941"/>
+              <a:ext cx="1037463" cy="338554"/>
+            </a:xfrm>
+            <a:prstGeom prst="rect">
+              <a:avLst/>
+            </a:prstGeom>
+            <a:noFill/>
+          </p:spPr>
+          <p:txBody>
+            <a:bodyPr wrap="none" rtlCol="0">
+              <a:spAutoFit/>
+            </a:bodyPr>
+            <a:lstStyle/>
+            <a:p>
+              <a:r>
+                <a:rPr lang="en-US" sz="1600" dirty="0"/>
+                <a:t>low noise</a:t>
+              </a:r>
+            </a:p>
+          </p:txBody>
+        </p:sp>
+        <p:sp>
+          <p:nvSpPr>
+            <p:cNvPr id="18" name="TextBox 17"/>
+            <p:cNvSpPr txBox="1"/>
+            <p:nvPr/>
+          </p:nvSpPr>
+          <p:spPr>
+            <a:xfrm>
+              <a:off x="8124875" y="2516773"/>
+              <a:ext cx="1460656" cy="338554"/>
+            </a:xfrm>
+            <a:prstGeom prst="rect">
+              <a:avLst/>
+            </a:prstGeom>
+            <a:noFill/>
+          </p:spPr>
+          <p:txBody>
+            <a:bodyPr wrap="none" rtlCol="0">
+              <a:spAutoFit/>
+            </a:bodyPr>
+            <a:lstStyle/>
+            <a:p>
+              <a:r>
+                <a:rPr lang="en-US" sz="1600" dirty="0"/>
+                <a:t>medium noise</a:t>
+              </a:r>
+            </a:p>
+          </p:txBody>
+        </p:sp>
+        <p:sp>
+          <p:nvSpPr>
+            <p:cNvPr id="19" name="TextBox 18"/>
+            <p:cNvSpPr txBox="1"/>
+            <p:nvPr/>
+          </p:nvSpPr>
+          <p:spPr>
+            <a:xfrm>
+              <a:off x="8156863" y="2937606"/>
+              <a:ext cx="1117614" cy="338554"/>
+            </a:xfrm>
+            <a:prstGeom prst="rect">
+              <a:avLst/>
+            </a:prstGeom>
+            <a:noFill/>
+          </p:spPr>
+          <p:txBody>
+            <a:bodyPr wrap="none" rtlCol="0">
+              <a:spAutoFit/>
+            </a:bodyPr>
+            <a:lstStyle/>
+            <a:p>
+              <a:r>
+                <a:rPr lang="en-US" sz="1600" dirty="0"/>
+                <a:t>high noise</a:t>
+              </a:r>
+            </a:p>
+          </p:txBody>
+        </p:sp>
+        <p:cxnSp>
+          <p:nvCxnSpPr>
+            <p:cNvPr id="20" name="Straight Connector 19"/>
+            <p:cNvCxnSpPr/>
+            <p:nvPr/>
+          </p:nvCxnSpPr>
+          <p:spPr>
+            <a:xfrm>
+              <a:off x="7626927" y="1830212"/>
+              <a:ext cx="446809" cy="0"/>
+            </a:xfrm>
+            <a:prstGeom prst="line">
+              <a:avLst/>
+            </a:prstGeom>
+            <a:ln/>
+          </p:spPr>
+          <p:style>
+            <a:lnRef idx="2">
+              <a:schemeClr val="accent5"/>
+            </a:lnRef>
+            <a:fillRef idx="0">
+              <a:schemeClr val="accent5"/>
+            </a:fillRef>
+            <a:effectRef idx="1">
+              <a:schemeClr val="accent5"/>
+            </a:effectRef>
+            <a:fontRef idx="minor">
+              <a:schemeClr val="tx1"/>
+            </a:fontRef>
+          </p:style>
+        </p:cxnSp>
+        <p:sp>
+          <p:nvSpPr>
+            <p:cNvPr id="21" name="TextBox 20"/>
+            <p:cNvSpPr txBox="1"/>
+            <p:nvPr/>
+          </p:nvSpPr>
+          <p:spPr>
+            <a:xfrm>
+              <a:off x="8156863" y="1658342"/>
+              <a:ext cx="958917" cy="338554"/>
+            </a:xfrm>
+            <a:prstGeom prst="rect">
+              <a:avLst/>
+            </a:prstGeom>
+            <a:noFill/>
+          </p:spPr>
+          <p:txBody>
+            <a:bodyPr wrap="none" rtlCol="0">
+              <a:spAutoFit/>
+            </a:bodyPr>
+            <a:lstStyle/>
+            <a:p>
+              <a:r>
+                <a:rPr lang="en-US" sz="1600" dirty="0"/>
+                <a:t>no noise</a:t>
+              </a:r>
+            </a:p>
+          </p:txBody>
+        </p:sp>
+      </p:grpSp>
     </p:spTree>
   </p:cSld>
   <p:clrMapOvr>
